--- a/Privacy-presentation.pptx
+++ b/Privacy-presentation.pptx
@@ -109,6 +109,11 @@
       </a:defRPr>
     </a:lvl9pPr>
   </p:defaultTextStyle>
+  <p:extLst>
+    <p:ext uri="{EFAFB233-063F-42B5-8137-9DF3F51BA10A}">
+      <p15:sldGuideLst xmlns:p15="http://schemas.microsoft.com/office/powerpoint/2012/main"/>
+    </p:ext>
+  </p:extLst>
 </p:presentation>
 </file>
 
@@ -282,7 +287,7 @@
             <a:fld id="{87DE6118-2437-4B30-8E3C-4D2BE6020583}" type="datetimeFigureOut">
               <a:rPr lang="en-US" dirty="0"/>
               <a:pPr/>
-              <a:t>10/25/2019</a:t>
+              <a:t>11/12/2019</a:t>
             </a:fld>
             <a:endParaRPr lang="en-US" dirty="0"/>
           </a:p>
@@ -608,7 +613,7 @@
           <a:p>
             <a:fld id="{87DE6118-2437-4B30-8E3C-4D2BE6020583}" type="datetimeFigureOut">
               <a:rPr lang="en-US" dirty="0"/>
-              <a:t>10/25/2019</a:t>
+              <a:t>11/12/2019</a:t>
             </a:fld>
             <a:endParaRPr lang="en-US" dirty="0"/>
           </a:p>
@@ -783,7 +788,7 @@
           <a:p>
             <a:fld id="{87DE6118-2437-4B30-8E3C-4D2BE6020583}" type="datetimeFigureOut">
               <a:rPr lang="en-US" dirty="0"/>
-              <a:t>10/25/2019</a:t>
+              <a:t>11/12/2019</a:t>
             </a:fld>
             <a:endParaRPr lang="en-US" dirty="0"/>
           </a:p>
@@ -948,7 +953,7 @@
           <a:p>
             <a:fld id="{87DE6118-2437-4B30-8E3C-4D2BE6020583}" type="datetimeFigureOut">
               <a:rPr lang="en-US" dirty="0"/>
-              <a:t>10/25/2019</a:t>
+              <a:t>11/12/2019</a:t>
             </a:fld>
             <a:endParaRPr lang="en-US" dirty="0"/>
           </a:p>
@@ -1221,7 +1226,7 @@
             <a:fld id="{87DE6118-2437-4B30-8E3C-4D2BE6020583}" type="datetimeFigureOut">
               <a:rPr lang="en-US" dirty="0"/>
               <a:pPr/>
-              <a:t>10/25/2019</a:t>
+              <a:t>11/12/2019</a:t>
             </a:fld>
             <a:endParaRPr lang="en-US" dirty="0"/>
           </a:p>
@@ -1611,7 +1616,7 @@
           <a:p>
             <a:fld id="{87DE6118-2437-4B30-8E3C-4D2BE6020583}" type="datetimeFigureOut">
               <a:rPr lang="en-US" dirty="0"/>
-              <a:t>10/25/2019</a:t>
+              <a:t>11/12/2019</a:t>
             </a:fld>
             <a:endParaRPr lang="en-US" dirty="0"/>
           </a:p>
@@ -2083,7 +2088,7 @@
           <a:p>
             <a:fld id="{87DE6118-2437-4B30-8E3C-4D2BE6020583}" type="datetimeFigureOut">
               <a:rPr lang="en-US" dirty="0"/>
-              <a:t>10/25/2019</a:t>
+              <a:t>11/12/2019</a:t>
             </a:fld>
             <a:endParaRPr lang="en-US" dirty="0"/>
           </a:p>
@@ -2196,7 +2201,7 @@
           <a:p>
             <a:fld id="{87DE6118-2437-4B30-8E3C-4D2BE6020583}" type="datetimeFigureOut">
               <a:rPr lang="en-US" dirty="0"/>
-              <a:t>10/25/2019</a:t>
+              <a:t>11/12/2019</a:t>
             </a:fld>
             <a:endParaRPr lang="en-US" dirty="0"/>
           </a:p>
@@ -2286,7 +2291,7 @@
           <a:p>
             <a:fld id="{87DE6118-2437-4B30-8E3C-4D2BE6020583}" type="datetimeFigureOut">
               <a:rPr lang="en-US" dirty="0"/>
-              <a:t>10/25/2019</a:t>
+              <a:t>11/12/2019</a:t>
             </a:fld>
             <a:endParaRPr lang="en-US" dirty="0"/>
           </a:p>
@@ -2628,7 +2633,7 @@
             <a:fld id="{87DE6118-2437-4B30-8E3C-4D2BE6020583}" type="datetimeFigureOut">
               <a:rPr lang="en-US" dirty="0"/>
               <a:pPr/>
-              <a:t>10/25/2019</a:t>
+              <a:t>11/12/2019</a:t>
             </a:fld>
             <a:endParaRPr lang="en-US" dirty="0"/>
           </a:p>
@@ -3013,7 +3018,7 @@
             <a:fld id="{87DE6118-2437-4B30-8E3C-4D2BE6020583}" type="datetimeFigureOut">
               <a:rPr lang="en-US" dirty="0"/>
               <a:pPr/>
-              <a:t>10/25/2019</a:t>
+              <a:t>11/12/2019</a:t>
             </a:fld>
             <a:endParaRPr lang="en-US" dirty="0"/>
           </a:p>
@@ -3288,7 +3293,7 @@
             <a:fld id="{87DE6118-2437-4B30-8E3C-4D2BE6020583}" type="datetimeFigureOut">
               <a:rPr lang="en-US" dirty="0"/>
               <a:pPr/>
-              <a:t>10/25/2019</a:t>
+              <a:t>11/12/2019</a:t>
             </a:fld>
             <a:endParaRPr lang="en-US" dirty="0"/>
           </a:p>
@@ -3899,7 +3904,7 @@
           <a:p>
             <a:r>
               <a:rPr lang="nl-NL" dirty="0"/>
-              <a:t>Last update: 2019-10-25</a:t>
+              <a:t>Last update: 2019-11-12</a:t>
             </a:r>
           </a:p>
         </p:txBody>
@@ -3988,7 +3993,7 @@
             </a:pPr>
             <a:r>
               <a:rPr lang="en-US" dirty="0"/>
-              <a:t>I = Marnix 0810 but also FNew, because FNew and this document are made by me, Marnix 0810.</a:t>
+              <a:t>I = 0810 Software and Marnix 0810</a:t>
             </a:r>
           </a:p>
           <a:p>
@@ -4006,7 +4011,7 @@
             </a:pPr>
             <a:r>
               <a:rPr lang="en-US" dirty="0"/>
-              <a:t>FNew= The site, found at https://marnix0810.github.io/FNew/, everything hosted on it and the(desktop) application(s)</a:t>
+              <a:t>FNew= The site, found at https://0810-software.github.io/FNew/, everything hosted on it and the(desktop) application(s)</a:t>
             </a:r>
             <a:endParaRPr lang="nl-NL" dirty="0"/>
           </a:p>
